--- a/design/designsheets/design_mainpage.pptx
+++ b/design/designsheets/design_mainpage.pptx
@@ -17,13 +17,13 @@
   <p:notesSz cx="6858000" cy="9144000"/>
   <p:embeddedFontLst>
     <p:embeddedFont>
-      <p:font typeface="KoPub돋움체 Medium" panose="00000600000000000000" pitchFamily="2" charset="-127"/>
+      <p:font typeface="맑은 고딕" panose="020B0503020000020004" pitchFamily="50" charset="-127"/>
       <p:regular r:id="rId7"/>
+      <p:bold r:id="rId8"/>
     </p:embeddedFont>
     <p:embeddedFont>
-      <p:font typeface="맑은 고딕" panose="020B0503020000020004" pitchFamily="50" charset="-127"/>
-      <p:regular r:id="rId8"/>
-      <p:bold r:id="rId9"/>
+      <p:font typeface="KoPub돋움체 Medium" panose="00000600000000000000" pitchFamily="2" charset="-127"/>
+      <p:regular r:id="rId9"/>
     </p:embeddedFont>
   </p:embeddedFontLst>
   <p:defaultTextStyle>
@@ -143,58 +143,6 @@
 
 <file path=ppt/comments/comment1.xml><?xml version="1.0" encoding="utf-8"?>
 <p:cmLst xmlns:a="http://schemas.openxmlformats.org/drawingml/2006/main" xmlns:r="http://schemas.openxmlformats.org/officeDocument/2006/relationships" xmlns:p="http://schemas.openxmlformats.org/presentationml/2006/main">
-  <p:cm authorId="1" dt="2018-09-12T23:03:05.688" idx="2">
-    <p:pos x="1690" y="2477"/>
-    <p:text>border-radius: 35%;
-height: 150px;
-width: 150px;
-font-family: "M PLUS Rounded 1c", sans-serif;
-color: white;
-text-align: center;
-line-height: 50px;
-background-color: #e73b63;</p:text>
-    <p:extLst>
-      <p:ext uri="{C676402C-5697-4E1C-873F-D02D1690AC5C}">
-        <p15:threadingInfo xmlns:p15="http://schemas.microsoft.com/office/powerpoint/2012/main" timeZoneBias="-540"/>
-      </p:ext>
-    </p:extLst>
-  </p:cm>
-  <p:cm authorId="1" dt="2018-09-12T23:04:51.144" idx="3">
-    <p:pos x="3754" y="2008"/>
-    <p:text>&lt;i class="fas fa-star-of-life"&gt;&lt;/i&gt;
-색 : #b7b7b7</p:text>
-    <p:extLst mod="1">
-      <p:ext uri="{C676402C-5697-4E1C-873F-D02D1690AC5C}">
-        <p15:threadingInfo xmlns:p15="http://schemas.microsoft.com/office/powerpoint/2012/main" timeZoneBias="-540"/>
-      </p:ext>
-    </p:extLst>
-  </p:cm>
-  <p:cm authorId="1" dt="2018-09-12T23:10:34.190" idx="4">
-    <p:pos x="3140" y="2544"/>
-    <p:text>font-family:"KoPub Dotum";
-font-size: 30px;
-font-style: bold;</p:text>
-    <p:extLst>
-      <p:ext uri="{C676402C-5697-4E1C-873F-D02D1690AC5C}">
-        <p15:threadingInfo xmlns:p15="http://schemas.microsoft.com/office/powerpoint/2012/main" timeZoneBias="-540"/>
-      </p:ext>
-    </p:extLst>
-  </p:cm>
-  <p:cm authorId="1" dt="2018-09-12T23:15:58.803" idx="5">
-    <p:pos x="4714" y="3101"/>
-    <p:text>font-family: "KoPub Dotum";
-font-size: 18px;</p:text>
-    <p:extLst>
-      <p:ext uri="{C676402C-5697-4E1C-873F-D02D1690AC5C}">
-        <p15:threadingInfo xmlns:p15="http://schemas.microsoft.com/office/powerpoint/2012/main" timeZoneBias="-540"/>
-      </p:ext>
-    </p:extLst>
-  </p:cm>
-</p:cmLst>
-</file>
-
-<file path=ppt/comments/comment2.xml><?xml version="1.0" encoding="utf-8"?>
-<p:cmLst xmlns:a="http://schemas.openxmlformats.org/drawingml/2006/main" xmlns:r="http://schemas.openxmlformats.org/officeDocument/2006/relationships" xmlns:p="http://schemas.openxmlformats.org/presentationml/2006/main">
   <p:cm authorId="1" dt="2018-09-19T17:13:59.160" idx="8">
     <p:pos x="7147" y="-134"/>
     <p:text>color: #b7b7b7;
@@ -209,14 +157,14 @@
 </p:cmLst>
 </file>
 
-<file path=ppt/comments/comment3.xml><?xml version="1.0" encoding="utf-8"?>
+<file path=ppt/comments/comment2.xml><?xml version="1.0" encoding="utf-8"?>
 <p:cmLst xmlns:a="http://schemas.openxmlformats.org/drawingml/2006/main" xmlns:r="http://schemas.openxmlformats.org/officeDocument/2006/relationships" xmlns:p="http://schemas.openxmlformats.org/presentationml/2006/main">
   <p:cm authorId="1" dt="2018-09-13T20:36:19.339" idx="6">
-    <p:pos x="1988" y="653"/>
+    <p:pos x="2051" y="1580"/>
     <p:text>font-family:"KoPub Dotum";
 font-size: 30px;
 font-style: bold;</p:text>
-    <p:extLst>
+    <p:extLst mod="1">
       <p:ext uri="{C676402C-5697-4E1C-873F-D02D1690AC5C}">
         <p15:threadingInfo xmlns:p15="http://schemas.microsoft.com/office/powerpoint/2012/main" timeZoneBias="-540"/>
       </p:ext>
@@ -307,7 +255,7 @@
           <a:p>
             <a:fld id="{D2820DBE-578D-4EA6-93E3-42D8CDC85CC2}" type="datetimeFigureOut">
               <a:rPr lang="ko-KR" altLang="en-US" smtClean="0"/>
-              <a:t>2018-09-19</a:t>
+              <a:t>2018-10-09</a:t>
             </a:fld>
             <a:endParaRPr lang="ko-KR" altLang="en-US"/>
           </a:p>
@@ -911,7 +859,7 @@
           <a:p>
             <a:fld id="{E4BC033A-D709-42D0-BC4E-71C530E11E6B}" type="datetimeFigureOut">
               <a:rPr lang="ko-KR" altLang="en-US" smtClean="0"/>
-              <a:t>2018-09-19</a:t>
+              <a:t>2018-10-09</a:t>
             </a:fld>
             <a:endParaRPr lang="ko-KR" altLang="en-US"/>
           </a:p>
@@ -1081,7 +1029,7 @@
           <a:p>
             <a:fld id="{E4BC033A-D709-42D0-BC4E-71C530E11E6B}" type="datetimeFigureOut">
               <a:rPr lang="ko-KR" altLang="en-US" smtClean="0"/>
-              <a:t>2018-09-19</a:t>
+              <a:t>2018-10-09</a:t>
             </a:fld>
             <a:endParaRPr lang="ko-KR" altLang="en-US"/>
           </a:p>
@@ -1261,7 +1209,7 @@
           <a:p>
             <a:fld id="{E4BC033A-D709-42D0-BC4E-71C530E11E6B}" type="datetimeFigureOut">
               <a:rPr lang="ko-KR" altLang="en-US" smtClean="0"/>
-              <a:t>2018-09-19</a:t>
+              <a:t>2018-10-09</a:t>
             </a:fld>
             <a:endParaRPr lang="ko-KR" altLang="en-US"/>
           </a:p>
@@ -1431,7 +1379,7 @@
           <a:p>
             <a:fld id="{E4BC033A-D709-42D0-BC4E-71C530E11E6B}" type="datetimeFigureOut">
               <a:rPr lang="ko-KR" altLang="en-US" smtClean="0"/>
-              <a:t>2018-09-19</a:t>
+              <a:t>2018-10-09</a:t>
             </a:fld>
             <a:endParaRPr lang="ko-KR" altLang="en-US"/>
           </a:p>
@@ -1677,7 +1625,7 @@
           <a:p>
             <a:fld id="{E4BC033A-D709-42D0-BC4E-71C530E11E6B}" type="datetimeFigureOut">
               <a:rPr lang="ko-KR" altLang="en-US" smtClean="0"/>
-              <a:t>2018-09-19</a:t>
+              <a:t>2018-10-09</a:t>
             </a:fld>
             <a:endParaRPr lang="ko-KR" altLang="en-US"/>
           </a:p>
@@ -1909,7 +1857,7 @@
           <a:p>
             <a:fld id="{E4BC033A-D709-42D0-BC4E-71C530E11E6B}" type="datetimeFigureOut">
               <a:rPr lang="ko-KR" altLang="en-US" smtClean="0"/>
-              <a:t>2018-09-19</a:t>
+              <a:t>2018-10-09</a:t>
             </a:fld>
             <a:endParaRPr lang="ko-KR" altLang="en-US"/>
           </a:p>
@@ -2276,7 +2224,7 @@
           <a:p>
             <a:fld id="{E4BC033A-D709-42D0-BC4E-71C530E11E6B}" type="datetimeFigureOut">
               <a:rPr lang="ko-KR" altLang="en-US" smtClean="0"/>
-              <a:t>2018-09-19</a:t>
+              <a:t>2018-10-09</a:t>
             </a:fld>
             <a:endParaRPr lang="ko-KR" altLang="en-US"/>
           </a:p>
@@ -2394,7 +2342,7 @@
           <a:p>
             <a:fld id="{E4BC033A-D709-42D0-BC4E-71C530E11E6B}" type="datetimeFigureOut">
               <a:rPr lang="ko-KR" altLang="en-US" smtClean="0"/>
-              <a:t>2018-09-19</a:t>
+              <a:t>2018-10-09</a:t>
             </a:fld>
             <a:endParaRPr lang="ko-KR" altLang="en-US"/>
           </a:p>
@@ -2489,7 +2437,7 @@
           <a:p>
             <a:fld id="{E4BC033A-D709-42D0-BC4E-71C530E11E6B}" type="datetimeFigureOut">
               <a:rPr lang="ko-KR" altLang="en-US" smtClean="0"/>
-              <a:t>2018-09-19</a:t>
+              <a:t>2018-10-09</a:t>
             </a:fld>
             <a:endParaRPr lang="ko-KR" altLang="en-US"/>
           </a:p>
@@ -2766,7 +2714,7 @@
           <a:p>
             <a:fld id="{E4BC033A-D709-42D0-BC4E-71C530E11E6B}" type="datetimeFigureOut">
               <a:rPr lang="ko-KR" altLang="en-US" smtClean="0"/>
-              <a:t>2018-09-19</a:t>
+              <a:t>2018-10-09</a:t>
             </a:fld>
             <a:endParaRPr lang="ko-KR" altLang="en-US"/>
           </a:p>
@@ -3019,7 +2967,7 @@
           <a:p>
             <a:fld id="{E4BC033A-D709-42D0-BC4E-71C530E11E6B}" type="datetimeFigureOut">
               <a:rPr lang="ko-KR" altLang="en-US" smtClean="0"/>
-              <a:t>2018-09-19</a:t>
+              <a:t>2018-10-09</a:t>
             </a:fld>
             <a:endParaRPr lang="ko-KR" altLang="en-US"/>
           </a:p>
@@ -3232,7 +3180,7 @@
           <a:p>
             <a:fld id="{E4BC033A-D709-42D0-BC4E-71C530E11E6B}" type="datetimeFigureOut">
               <a:rPr lang="ko-KR" altLang="en-US" smtClean="0"/>
-              <a:t>2018-09-19</a:t>
+              <a:t>2018-10-09</a:t>
             </a:fld>
             <a:endParaRPr lang="ko-KR" altLang="en-US"/>
           </a:p>
@@ -3683,298 +3631,12 @@
             <a:pPr algn="ctr"/>
             <a:r>
               <a:rPr lang="en-US" altLang="ko-KR" dirty="0" smtClean="0"/>
-              <a:t>MAIN          ABOUT          NOTICE          SNACKS</a:t>
+              <a:t>NOTICE          PLAN          MEMBER          SNACK</a:t>
             </a:r>
             <a:endParaRPr lang="ko-KR" altLang="en-US" dirty="0"/>
           </a:p>
         </p:txBody>
       </p:sp>
-      <p:sp>
-        <p:nvSpPr>
-          <p:cNvPr id="5" name="모서리가 둥근 직사각형 4"/>
-          <p:cNvSpPr/>
-          <p:nvPr/>
-        </p:nvSpPr>
-        <p:spPr>
-          <a:xfrm>
-            <a:off x="1536722" y="4325517"/>
-            <a:ext cx="1741714" cy="1748246"/>
-          </a:xfrm>
-          <a:prstGeom prst="roundRect">
-            <a:avLst>
-              <a:gd name="adj" fmla="val 35714"/>
-            </a:avLst>
-          </a:prstGeom>
-          <a:solidFill>
-            <a:srgbClr val="EB3B63"/>
-          </a:solidFill>
-          <a:ln>
-            <a:solidFill>
-              <a:srgbClr val="EB3B63"/>
-            </a:solidFill>
-          </a:ln>
-        </p:spPr>
-        <p:style>
-          <a:lnRef idx="2">
-            <a:schemeClr val="accent1">
-              <a:shade val="50000"/>
-            </a:schemeClr>
-          </a:lnRef>
-          <a:fillRef idx="1">
-            <a:schemeClr val="accent1"/>
-          </a:fillRef>
-          <a:effectRef idx="0">
-            <a:schemeClr val="accent1"/>
-          </a:effectRef>
-          <a:fontRef idx="minor">
-            <a:schemeClr val="lt1"/>
-          </a:fontRef>
-        </p:style>
-        <p:txBody>
-          <a:bodyPr rtlCol="0" anchor="ctr"/>
-          <a:lstStyle/>
-          <a:p>
-            <a:pPr algn="ctr"/>
-            <a:r>
-              <a:rPr lang="en-US" altLang="ko-KR" dirty="0" smtClean="0">
-                <a:solidFill>
-                  <a:schemeClr val="bg1"/>
-                </a:solidFill>
-              </a:rPr>
-              <a:t>9</a:t>
-            </a:r>
-          </a:p>
-          <a:p>
-            <a:pPr algn="ctr"/>
-            <a:r>
-              <a:rPr lang="en-US" altLang="ko-KR" sz="5000" b="1" dirty="0" smtClean="0">
-                <a:solidFill>
-                  <a:schemeClr val="bg1"/>
-                </a:solidFill>
-              </a:rPr>
-              <a:t>12</a:t>
-            </a:r>
-          </a:p>
-          <a:p>
-            <a:pPr algn="ctr"/>
-            <a:r>
-              <a:rPr lang="en-US" altLang="ko-KR" dirty="0" smtClean="0">
-                <a:solidFill>
-                  <a:schemeClr val="bg1"/>
-                </a:solidFill>
-              </a:rPr>
-              <a:t>WED</a:t>
-            </a:r>
-            <a:endParaRPr lang="ko-KR" altLang="en-US" dirty="0">
-              <a:solidFill>
-                <a:schemeClr val="bg1"/>
-              </a:solidFill>
-            </a:endParaRPr>
-          </a:p>
-        </p:txBody>
-      </p:sp>
-      <p:sp>
-        <p:nvSpPr>
-          <p:cNvPr id="7" name="TextBox 6"/>
-          <p:cNvSpPr txBox="1"/>
-          <p:nvPr/>
-        </p:nvSpPr>
-        <p:spPr>
-          <a:xfrm>
-            <a:off x="3795710" y="4325517"/>
-            <a:ext cx="6742551" cy="1661993"/>
-          </a:xfrm>
-          <a:prstGeom prst="rect">
-            <a:avLst/>
-          </a:prstGeom>
-          <a:noFill/>
-        </p:spPr>
-        <p:txBody>
-          <a:bodyPr wrap="none" rtlCol="0">
-            <a:spAutoFit/>
-          </a:bodyPr>
-          <a:lstStyle/>
-          <a:p>
-            <a:r>
-              <a:rPr lang="ko-KR" altLang="en-US" sz="3000" b="1" dirty="0" smtClean="0">
-                <a:ln w="19050">
-                  <a:solidFill>
-                    <a:srgbClr val="EB3B63"/>
-                  </a:solidFill>
-                </a:ln>
-                <a:solidFill>
-                  <a:srgbClr val="EB3B63"/>
-                </a:solidFill>
-                <a:latin typeface="KoPub돋움체 Medium" panose="00000600000000000000" pitchFamily="2" charset="-127"/>
-                <a:ea typeface="KoPub돋움체 Medium" panose="00000600000000000000" pitchFamily="2" charset="-127"/>
-              </a:rPr>
-              <a:t>주간 일정</a:t>
-            </a:r>
-            <a:endParaRPr lang="en-US" altLang="ko-KR" sz="3000" b="1" dirty="0" smtClean="0">
-              <a:ln w="19050">
-                <a:solidFill>
-                  <a:srgbClr val="EB3B63"/>
-                </a:solidFill>
-              </a:ln>
-              <a:solidFill>
-                <a:srgbClr val="EB3B63"/>
-              </a:solidFill>
-              <a:latin typeface="KoPub돋움체 Medium" panose="00000600000000000000" pitchFamily="2" charset="-127"/>
-              <a:ea typeface="KoPub돋움체 Medium" panose="00000600000000000000" pitchFamily="2" charset="-127"/>
-            </a:endParaRPr>
-          </a:p>
-          <a:p>
-            <a:endParaRPr lang="en-US" altLang="ko-KR" dirty="0" smtClean="0"/>
-          </a:p>
-          <a:p>
-            <a:pPr marL="285750" indent="-285750">
-              <a:buFont typeface="Arial" panose="020B0604020202020204" pitchFamily="34" charset="0"/>
-              <a:buChar char="•"/>
-            </a:pPr>
-            <a:r>
-              <a:rPr lang="ko-KR" altLang="en-US" dirty="0" smtClean="0">
-                <a:latin typeface="KoPub돋움체 Medium" panose="00000600000000000000" pitchFamily="2" charset="-127"/>
-                <a:ea typeface="KoPub돋움체 Medium" panose="00000600000000000000" pitchFamily="2" charset="-127"/>
-              </a:rPr>
-              <a:t>한글 폰트는 </a:t>
-            </a:r>
-            <a:r>
-              <a:rPr lang="en-US" altLang="ko-KR" dirty="0" err="1" smtClean="0">
-                <a:latin typeface="KoPub돋움체 Medium" panose="00000600000000000000" pitchFamily="2" charset="-127"/>
-                <a:ea typeface="KoPub돋움체 Medium" panose="00000600000000000000" pitchFamily="2" charset="-127"/>
-              </a:rPr>
-              <a:t>KoPub</a:t>
-            </a:r>
-            <a:r>
-              <a:rPr lang="ko-KR" altLang="en-US" dirty="0" smtClean="0">
-                <a:latin typeface="KoPub돋움체 Medium" panose="00000600000000000000" pitchFamily="2" charset="-127"/>
-                <a:ea typeface="KoPub돋움체 Medium" panose="00000600000000000000" pitchFamily="2" charset="-127"/>
-              </a:rPr>
-              <a:t>돋움체 </a:t>
-            </a:r>
-            <a:r>
-              <a:rPr lang="en-US" altLang="ko-KR" dirty="0" smtClean="0">
-                <a:latin typeface="KoPub돋움체 Medium" panose="00000600000000000000" pitchFamily="2" charset="-127"/>
-                <a:ea typeface="KoPub돋움체 Medium" panose="00000600000000000000" pitchFamily="2" charset="-127"/>
-              </a:rPr>
-              <a:t>Medium</a:t>
-            </a:r>
-          </a:p>
-          <a:p>
-            <a:pPr marL="285750" indent="-285750">
-              <a:buFont typeface="Arial" panose="020B0604020202020204" pitchFamily="34" charset="0"/>
-              <a:buChar char="•"/>
-            </a:pPr>
-            <a:r>
-              <a:rPr lang="ko-KR" altLang="en-US" dirty="0" smtClean="0">
-                <a:latin typeface="KoPub돋움체 Medium" panose="00000600000000000000" pitchFamily="2" charset="-127"/>
-                <a:ea typeface="KoPub돋움체 Medium" panose="00000600000000000000" pitchFamily="2" charset="-127"/>
-              </a:rPr>
-              <a:t>아마 일정은 </a:t>
-            </a:r>
-            <a:r>
-              <a:rPr lang="en-US" altLang="ko-KR" dirty="0" smtClean="0">
-                <a:latin typeface="KoPub돋움체 Medium" panose="00000600000000000000" pitchFamily="2" charset="-127"/>
-                <a:ea typeface="KoPub돋움체 Medium" panose="00000600000000000000" pitchFamily="2" charset="-127"/>
-              </a:rPr>
-              <a:t>DB</a:t>
-            </a:r>
-            <a:r>
-              <a:rPr lang="ko-KR" altLang="en-US" dirty="0" smtClean="0">
-                <a:latin typeface="KoPub돋움체 Medium" panose="00000600000000000000" pitchFamily="2" charset="-127"/>
-                <a:ea typeface="KoPub돋움체 Medium" panose="00000600000000000000" pitchFamily="2" charset="-127"/>
-              </a:rPr>
-              <a:t>와 연동해서 올라올 거야</a:t>
-            </a:r>
-            <a:r>
-              <a:rPr lang="en-US" altLang="ko-KR" dirty="0" smtClean="0">
-                <a:latin typeface="KoPub돋움체 Medium" panose="00000600000000000000" pitchFamily="2" charset="-127"/>
-                <a:ea typeface="KoPub돋움체 Medium" panose="00000600000000000000" pitchFamily="2" charset="-127"/>
-              </a:rPr>
-              <a:t>………… </a:t>
-            </a:r>
-            <a:r>
-              <a:rPr lang="ko-KR" altLang="en-US" dirty="0" smtClean="0">
-                <a:latin typeface="KoPub돋움체 Medium" panose="00000600000000000000" pitchFamily="2" charset="-127"/>
-                <a:ea typeface="KoPub돋움체 Medium" panose="00000600000000000000" pitchFamily="2" charset="-127"/>
-              </a:rPr>
-              <a:t>아마도 </a:t>
-            </a:r>
-            <a:r>
-              <a:rPr lang="ko-KR" altLang="en-US" dirty="0" err="1" smtClean="0">
-                <a:latin typeface="KoPub돋움체 Medium" panose="00000600000000000000" pitchFamily="2" charset="-127"/>
-                <a:ea typeface="KoPub돋움체 Medium" panose="00000600000000000000" pitchFamily="2" charset="-127"/>
-              </a:rPr>
-              <a:t>메이비ㅁㄴ</a:t>
-            </a:r>
-            <a:endParaRPr lang="en-US" altLang="ko-KR" dirty="0" smtClean="0">
-              <a:latin typeface="KoPub돋움체 Medium" panose="00000600000000000000" pitchFamily="2" charset="-127"/>
-              <a:ea typeface="KoPub돋움체 Medium" panose="00000600000000000000" pitchFamily="2" charset="-127"/>
-            </a:endParaRPr>
-          </a:p>
-          <a:p>
-            <a:pPr marL="285750" indent="-285750">
-              <a:buFont typeface="Arial" panose="020B0604020202020204" pitchFamily="34" charset="0"/>
-              <a:buChar char="•"/>
-            </a:pPr>
-            <a:r>
-              <a:rPr lang="ko-KR" altLang="en-US" dirty="0" err="1" smtClean="0">
-                <a:latin typeface="KoPub돋움체 Medium" panose="00000600000000000000" pitchFamily="2" charset="-127"/>
-                <a:ea typeface="KoPub돋움체 Medium" panose="00000600000000000000" pitchFamily="2" charset="-127"/>
-              </a:rPr>
-              <a:t>웹폰트로</a:t>
-            </a:r>
-            <a:r>
-              <a:rPr lang="ko-KR" altLang="en-US" dirty="0" smtClean="0">
-                <a:latin typeface="KoPub돋움체 Medium" panose="00000600000000000000" pitchFamily="2" charset="-127"/>
-                <a:ea typeface="KoPub돋움체 Medium" panose="00000600000000000000" pitchFamily="2" charset="-127"/>
-              </a:rPr>
-              <a:t> 쓰는 법은 슬라이드노트의 링크 참고</a:t>
-            </a:r>
-            <a:endParaRPr lang="en-US" altLang="ko-KR" dirty="0">
-              <a:latin typeface="KoPub돋움체 Medium" panose="00000600000000000000" pitchFamily="2" charset="-127"/>
-              <a:ea typeface="KoPub돋움체 Medium" panose="00000600000000000000" pitchFamily="2" charset="-127"/>
-            </a:endParaRPr>
-          </a:p>
-        </p:txBody>
-      </p:sp>
-      <p:pic>
-        <p:nvPicPr>
-          <p:cNvPr id="3" name="그림 2"/>
-          <p:cNvPicPr>
-            <a:picLocks noChangeAspect="1"/>
-          </p:cNvPicPr>
-          <p:nvPr/>
-        </p:nvPicPr>
-        <p:blipFill>
-          <a:blip r:embed="rId3" cstate="print">
-            <a:duotone>
-              <a:prstClr val="black"/>
-              <a:schemeClr val="tx1">
-                <a:tint val="45000"/>
-                <a:satMod val="400000"/>
-              </a:schemeClr>
-            </a:duotone>
-            <a:extLst>
-              <a:ext uri="{28A0092B-C50C-407E-A947-70E740481C1C}">
-                <a14:useLocalDpi xmlns:a14="http://schemas.microsoft.com/office/drawing/2010/main" val="0"/>
-              </a:ext>
-            </a:extLst>
-          </a:blip>
-          <a:stretch>
-            <a:fillRect/>
-          </a:stretch>
-        </p:blipFill>
-        <p:spPr>
-          <a:xfrm flipV="1">
-            <a:off x="5915187" y="3549143"/>
-            <a:ext cx="361627" cy="301356"/>
-          </a:xfrm>
-          <a:prstGeom prst="rect">
-            <a:avLst/>
-          </a:prstGeom>
-        </p:spPr>
-      </p:pic>
       <p:pic>
         <p:nvPicPr>
           <p:cNvPr id="2" name="그림 1"/>
@@ -3984,7 +3646,7 @@
           <p:nvPr/>
         </p:nvPicPr>
         <p:blipFill>
-          <a:blip r:embed="rId4" cstate="print">
+          <a:blip r:embed="rId3" cstate="print">
             <a:extLst>
               <a:ext uri="{28A0092B-C50C-407E-A947-70E740481C1C}">
                 <a14:useLocalDpi xmlns:a14="http://schemas.microsoft.com/office/drawing/2010/main" val="0"/>
@@ -4356,15 +4018,7 @@
                   <a:srgbClr val="FF0000"/>
                 </a:solidFill>
               </a:rPr>
-              <a:t>70</a:t>
-            </a:r>
-            <a:r>
-              <a:rPr lang="en-US" altLang="ko-KR" b="1" dirty="0" smtClean="0">
-                <a:solidFill>
-                  <a:srgbClr val="FF0000"/>
-                </a:solidFill>
-              </a:rPr>
-              <a:t>%</a:t>
+              <a:t>70%</a:t>
             </a:r>
             <a:endParaRPr lang="ko-KR" altLang="en-US" b="1" dirty="0">
               <a:solidFill>
@@ -4410,15 +4064,7 @@
                   <a:srgbClr val="FF0000"/>
                 </a:solidFill>
               </a:rPr>
-              <a:t>0</a:t>
-            </a:r>
-            <a:r>
-              <a:rPr lang="en-US" altLang="ko-KR" b="1" dirty="0" smtClean="0">
-                <a:solidFill>
-                  <a:srgbClr val="FF0000"/>
-                </a:solidFill>
-              </a:rPr>
-              <a:t>%</a:t>
+              <a:t>0%</a:t>
             </a:r>
             <a:endParaRPr lang="ko-KR" altLang="en-US" b="1" dirty="0">
               <a:solidFill>
@@ -4678,7 +4324,7 @@
           <a:p>
             <a:r>
               <a:rPr lang="en-US" altLang="ko-KR" dirty="0" smtClean="0"/>
-              <a:t>width: 70%;</a:t>
+              <a:t>width: 80%;</a:t>
             </a:r>
           </a:p>
           <a:p>
@@ -5245,43 +4891,6 @@
           <a:chExt cx="0" cy="0"/>
         </a:xfrm>
       </p:grpSpPr>
-      <p:pic>
-        <p:nvPicPr>
-          <p:cNvPr id="7" name="그림 6"/>
-          <p:cNvPicPr>
-            <a:picLocks noChangeAspect="1"/>
-          </p:cNvPicPr>
-          <p:nvPr/>
-        </p:nvPicPr>
-        <p:blipFill>
-          <a:blip r:embed="rId2" cstate="print">
-            <a:duotone>
-              <a:prstClr val="black"/>
-              <a:schemeClr val="tx1">
-                <a:tint val="45000"/>
-                <a:satMod val="400000"/>
-              </a:schemeClr>
-            </a:duotone>
-            <a:extLst>
-              <a:ext uri="{28A0092B-C50C-407E-A947-70E740481C1C}">
-                <a14:useLocalDpi xmlns:a14="http://schemas.microsoft.com/office/drawing/2010/main" val="0"/>
-              </a:ext>
-            </a:extLst>
-          </a:blip>
-          <a:stretch>
-            <a:fillRect/>
-          </a:stretch>
-        </p:blipFill>
-        <p:spPr>
-          <a:xfrm flipV="1">
-            <a:off x="5915187" y="607823"/>
-            <a:ext cx="361627" cy="301356"/>
-          </a:xfrm>
-          <a:prstGeom prst="rect">
-            <a:avLst/>
-          </a:prstGeom>
-        </p:spPr>
-      </p:pic>
       <p:sp>
         <p:nvSpPr>
           <p:cNvPr id="8" name="TextBox 7"/>
@@ -5290,7 +4899,7 @@
         </p:nvSpPr>
         <p:spPr>
           <a:xfrm>
-            <a:off x="1536722" y="1384197"/>
+            <a:off x="1536722" y="2684372"/>
             <a:ext cx="2009204" cy="553998"/>
           </a:xfrm>
           <a:prstGeom prst="rect">
@@ -5375,7 +4984,7 @@
         </p:nvSpPr>
         <p:spPr>
           <a:xfrm>
-            <a:off x="1628791" y="2090595"/>
+            <a:off x="1628791" y="3376484"/>
             <a:ext cx="8934417" cy="2679525"/>
           </a:xfrm>
           <a:prstGeom prst="rect">
@@ -5405,12 +5014,20 @@
           <a:p>
             <a:pPr algn="ctr"/>
             <a:r>
+              <a:rPr lang="ko-KR" altLang="en-US" dirty="0" err="1" smtClean="0">
+                <a:solidFill>
+                  <a:schemeClr val="tx1"/>
+                </a:solidFill>
+              </a:rPr>
+              <a:t>파일경로</a:t>
+            </a:r>
+            <a:r>
               <a:rPr lang="ko-KR" altLang="en-US" dirty="0" smtClean="0">
                 <a:solidFill>
                   <a:schemeClr val="tx1"/>
                 </a:solidFill>
               </a:rPr>
-              <a:t>내가</a:t>
+              <a:t> </a:t>
             </a:r>
             <a:r>
               <a:rPr lang="en-US" altLang="ko-KR" dirty="0" smtClean="0">
@@ -5418,40 +5035,24 @@
                   <a:schemeClr val="tx1"/>
                 </a:solidFill>
               </a:rPr>
-              <a:t>…</a:t>
-            </a:r>
-            <a:r>
-              <a:rPr lang="ko-KR" altLang="en-US" dirty="0" smtClean="0">
+              <a:t>: </a:t>
+            </a:r>
+            <a:r>
+              <a:rPr lang="en-US" altLang="ko-KR" dirty="0" err="1" smtClean="0">
                 <a:solidFill>
                   <a:schemeClr val="tx1"/>
                 </a:solidFill>
               </a:rPr>
-              <a:t>나중에 뭔가 여기에 넣을 만한 그림을 줄 것임</a:t>
-            </a:r>
-            <a:endParaRPr lang="en-US" altLang="ko-KR" dirty="0" smtClean="0">
-              <a:solidFill>
-                <a:schemeClr val="tx1"/>
-              </a:solidFill>
-            </a:endParaRPr>
-          </a:p>
-          <a:p>
-            <a:pPr algn="ctr"/>
-            <a:r>
-              <a:rPr lang="ko-KR" altLang="en-US" dirty="0" smtClean="0">
+              <a:t>web_project</a:t>
+            </a:r>
+            <a:r>
+              <a:rPr lang="en-US" altLang="ko-KR" dirty="0" smtClean="0">
                 <a:solidFill>
                   <a:schemeClr val="tx1"/>
                 </a:solidFill>
               </a:rPr>
-              <a:t>테두리는 없을 것 같고 배경투명화일 것 같다</a:t>
-            </a:r>
-            <a:endParaRPr lang="en-US" altLang="ko-KR" dirty="0" smtClean="0">
-              <a:solidFill>
-                <a:schemeClr val="tx1"/>
-              </a:solidFill>
-            </a:endParaRPr>
-          </a:p>
-          <a:p>
-            <a:pPr algn="ctr"/>
+              <a:t>/design/mainpage_introduce.png</a:t>
+            </a:r>
             <a:endParaRPr lang="en-US" altLang="ko-KR" dirty="0" smtClean="0">
               <a:solidFill>
                 <a:schemeClr val="tx1"/>
@@ -5522,8 +5123,8 @@
         </p:nvSpPr>
         <p:spPr>
           <a:xfrm>
-            <a:off x="1628791" y="4922520"/>
-            <a:ext cx="8934417" cy="646331"/>
+            <a:off x="1628791" y="6208409"/>
+            <a:ext cx="8934417" cy="369332"/>
           </a:xfrm>
           <a:prstGeom prst="rect">
             <a:avLst/>
@@ -5541,49 +5142,7 @@
                 <a:latin typeface="KoPub돋움체 Medium" panose="00000600000000000000" pitchFamily="2" charset="-127"/>
                 <a:ea typeface="KoPub돋움체 Medium" panose="00000600000000000000" pitchFamily="2" charset="-127"/>
               </a:rPr>
-              <a:t>  어</a:t>
-            </a:r>
-            <a:r>
-              <a:rPr lang="en-US" altLang="ko-KR" dirty="0" smtClean="0">
-                <a:latin typeface="KoPub돋움체 Medium" panose="00000600000000000000" pitchFamily="2" charset="-127"/>
-                <a:ea typeface="KoPub돋움체 Medium" panose="00000600000000000000" pitchFamily="2" charset="-127"/>
-              </a:rPr>
-              <a:t>….</a:t>
-            </a:r>
-            <a:r>
-              <a:rPr lang="ko-KR" altLang="en-US" dirty="0" smtClean="0">
-                <a:latin typeface="KoPub돋움체 Medium" panose="00000600000000000000" pitchFamily="2" charset="-127"/>
-                <a:ea typeface="KoPub돋움체 Medium" panose="00000600000000000000" pitchFamily="2" charset="-127"/>
-              </a:rPr>
-              <a:t>애들한테 받은 동아리에 대한 </a:t>
-            </a:r>
-            <a:r>
-              <a:rPr lang="ko-KR" altLang="en-US" dirty="0" err="1" smtClean="0">
-                <a:latin typeface="KoPub돋움체 Medium" panose="00000600000000000000" pitchFamily="2" charset="-127"/>
-                <a:ea typeface="KoPub돋움체 Medium" panose="00000600000000000000" pitchFamily="2" charset="-127"/>
-              </a:rPr>
-              <a:t>설명이랑</a:t>
-            </a:r>
-            <a:r>
-              <a:rPr lang="ko-KR" altLang="en-US" dirty="0" smtClean="0">
-                <a:latin typeface="KoPub돋움체 Medium" panose="00000600000000000000" pitchFamily="2" charset="-127"/>
-                <a:ea typeface="KoPub돋움체 Medium" panose="00000600000000000000" pitchFamily="2" charset="-127"/>
-              </a:rPr>
-              <a:t> 아무튼 그런 이런저런 거를 여기다가 넣는 것이다</a:t>
-            </a:r>
-            <a:r>
-              <a:rPr lang="en-US" altLang="ko-KR" dirty="0" smtClean="0">
-                <a:latin typeface="KoPub돋움체 Medium" panose="00000600000000000000" pitchFamily="2" charset="-127"/>
-                <a:ea typeface="KoPub돋움체 Medium" panose="00000600000000000000" pitchFamily="2" charset="-127"/>
-              </a:rPr>
-              <a:t>…</a:t>
-            </a:r>
-            <a:r>
-              <a:rPr lang="ko-KR" altLang="en-US" dirty="0" smtClean="0">
-                <a:latin typeface="KoPub돋움체 Medium" panose="00000600000000000000" pitchFamily="2" charset="-127"/>
-                <a:ea typeface="KoPub돋움체 Medium" panose="00000600000000000000" pitchFamily="2" charset="-127"/>
-              </a:rPr>
-              <a:t> 검은색</a:t>
+              <a:t>검은색</a:t>
             </a:r>
             <a:r>
               <a:rPr lang="en-US" altLang="ko-KR" dirty="0" smtClean="0">
@@ -5627,6 +5186,88 @@
           </a:p>
         </p:txBody>
       </p:sp>
+      <p:sp>
+        <p:nvSpPr>
+          <p:cNvPr id="6" name="모서리가 둥근 직사각형 5"/>
+          <p:cNvSpPr/>
+          <p:nvPr/>
+        </p:nvSpPr>
+        <p:spPr>
+          <a:xfrm>
+            <a:off x="1536722" y="1841863"/>
+            <a:ext cx="9118558" cy="413658"/>
+          </a:xfrm>
+          <a:prstGeom prst="roundRect">
+            <a:avLst>
+              <a:gd name="adj" fmla="val 50000"/>
+            </a:avLst>
+          </a:prstGeom>
+          <a:solidFill>
+            <a:srgbClr val="EB3B63"/>
+          </a:solidFill>
+          <a:ln>
+            <a:noFill/>
+          </a:ln>
+        </p:spPr>
+        <p:style>
+          <a:lnRef idx="2">
+            <a:schemeClr val="accent1">
+              <a:shade val="50000"/>
+            </a:schemeClr>
+          </a:lnRef>
+          <a:fillRef idx="1">
+            <a:schemeClr val="accent1"/>
+          </a:fillRef>
+          <a:effectRef idx="0">
+            <a:schemeClr val="accent1"/>
+          </a:effectRef>
+          <a:fontRef idx="minor">
+            <a:schemeClr val="lt1"/>
+          </a:fontRef>
+        </p:style>
+        <p:txBody>
+          <a:bodyPr rtlCol="0" anchor="ctr"/>
+          <a:lstStyle/>
+          <a:p>
+            <a:pPr algn="ctr"/>
+            <a:r>
+              <a:rPr lang="en-US" altLang="ko-KR" dirty="0" smtClean="0"/>
+              <a:t>NOTICE          PLAN          MEMBER          SNACK</a:t>
+            </a:r>
+            <a:endParaRPr lang="ko-KR" altLang="en-US" dirty="0"/>
+          </a:p>
+        </p:txBody>
+      </p:sp>
+      <p:pic>
+        <p:nvPicPr>
+          <p:cNvPr id="10" name="그림 9"/>
+          <p:cNvPicPr>
+            <a:picLocks noChangeAspect="1"/>
+          </p:cNvPicPr>
+          <p:nvPr/>
+        </p:nvPicPr>
+        <p:blipFill>
+          <a:blip r:embed="rId2" cstate="print">
+            <a:extLst>
+              <a:ext uri="{28A0092B-C50C-407E-A947-70E740481C1C}">
+                <a14:useLocalDpi xmlns:a14="http://schemas.microsoft.com/office/drawing/2010/main" val="0"/>
+              </a:ext>
+            </a:extLst>
+          </a:blip>
+          <a:stretch>
+            <a:fillRect/>
+          </a:stretch>
+        </p:blipFill>
+        <p:spPr>
+          <a:xfrm>
+            <a:off x="4452783" y="237262"/>
+            <a:ext cx="3286434" cy="1419142"/>
+          </a:xfrm>
+          <a:prstGeom prst="rect">
+            <a:avLst/>
+          </a:prstGeom>
+        </p:spPr>
+      </p:pic>
     </p:spTree>
     <p:extLst>
       <p:ext uri="{BB962C8B-B14F-4D97-AF65-F5344CB8AC3E}">
@@ -5639,14 +5280,10 @@
   </p:clrMapOvr>
   <mc:AlternateContent xmlns:mc="http://schemas.openxmlformats.org/markup-compatibility/2006" xmlns:p14="http://schemas.microsoft.com/office/powerpoint/2010/main">
     <mc:Choice Requires="p14">
-      <p:transition spd="slow" p14:dur="3000">
-        <p:push dir="u"/>
-      </p:transition>
+      <p:transition p14:dur="0"/>
     </mc:Choice>
     <mc:Fallback xmlns="">
-      <p:transition spd="slow">
-        <p:push dir="u"/>
-      </p:transition>
+      <p:transition/>
     </mc:Fallback>
   </mc:AlternateContent>
   <p:timing>
